--- a/posts.assets/2021-10-08-introduction-to-MobileNetV2.assets/depthwise_separable_convolution.pptx
+++ b/posts.assets/2021-10-08-introduction-to-MobileNetV2.assets/depthwise_separable_convolution.pptx
@@ -9448,6 +9448,78 @@
           </a:p>
         </p:txBody>
       </p:sp>
+      <p:sp>
+        <p:nvSpPr>
+          <p:cNvPr id="129" name="文本框 128">
+            <a:extLst>
+              <a:ext uri="{FF2B5EF4-FFF2-40B4-BE49-F238E27FC236}">
+                <a16:creationId xmlns:a16="http://schemas.microsoft.com/office/drawing/2014/main" id="{68FEE283-6C50-45FF-B818-404485355F02}"/>
+              </a:ext>
+            </a:extLst>
+          </p:cNvPr>
+          <p:cNvSpPr txBox="1"/>
+          <p:nvPr/>
+        </p:nvSpPr>
+        <p:spPr>
+          <a:xfrm>
+            <a:off x="3589699" y="1508089"/>
+            <a:ext cx="874844" cy="369332"/>
+          </a:xfrm>
+          <a:prstGeom prst="rect">
+            <a:avLst/>
+          </a:prstGeom>
+          <a:noFill/>
+        </p:spPr>
+        <p:txBody>
+          <a:bodyPr wrap="square" rtlCol="0">
+            <a:spAutoFit/>
+          </a:bodyPr>
+          <a:lstStyle/>
+          <a:p>
+            <a:r>
+              <a:rPr lang="en-US" altLang="zh-CN" dirty="0"/>
+              <a:t>ReLU</a:t>
+            </a:r>
+            <a:endParaRPr lang="zh-CN" altLang="en-US" dirty="0"/>
+          </a:p>
+        </p:txBody>
+      </p:sp>
+      <p:sp>
+        <p:nvSpPr>
+          <p:cNvPr id="130" name="文本框 129">
+            <a:extLst>
+              <a:ext uri="{FF2B5EF4-FFF2-40B4-BE49-F238E27FC236}">
+                <a16:creationId xmlns:a16="http://schemas.microsoft.com/office/drawing/2014/main" id="{124ED11F-CC46-4774-B1BA-5151393C44AB}"/>
+              </a:ext>
+            </a:extLst>
+          </p:cNvPr>
+          <p:cNvSpPr txBox="1"/>
+          <p:nvPr/>
+        </p:nvSpPr>
+        <p:spPr>
+          <a:xfrm>
+            <a:off x="4843809" y="1508089"/>
+            <a:ext cx="874844" cy="369332"/>
+          </a:xfrm>
+          <a:prstGeom prst="rect">
+            <a:avLst/>
+          </a:prstGeom>
+          <a:noFill/>
+        </p:spPr>
+        <p:txBody>
+          <a:bodyPr wrap="square" rtlCol="0">
+            <a:spAutoFit/>
+          </a:bodyPr>
+          <a:lstStyle/>
+          <a:p>
+            <a:r>
+              <a:rPr lang="en-US" altLang="zh-CN" dirty="0"/>
+              <a:t>ReLU</a:t>
+            </a:r>
+            <a:endParaRPr lang="zh-CN" altLang="en-US" dirty="0"/>
+          </a:p>
+        </p:txBody>
+      </p:sp>
     </p:spTree>
     <p:extLst>
       <p:ext uri="{BB962C8B-B14F-4D97-AF65-F5344CB8AC3E}">
